--- a/Stages/Indoor/Medium Courses  - 20 or less/15 Rounds v1.pptx
+++ b/Stages/Indoor/Medium Courses  - 20 or less/15 Rounds v1.pptx
@@ -242,7 +242,7 @@
             <a:fld id="{6FD315A2-9F92-4CCE-886A-5EF00EA90DC0}" type="datetimeFigureOut">
               <a:rPr lang="en-US" smtClean="0"/>
               <a:pPr/>
-              <a:t>1/8/23</a:t>
+              <a:t>1/9/23</a:t>
             </a:fld>
             <a:endParaRPr lang="en-US"/>
           </a:p>
@@ -5476,8 +5476,8 @@
         </p:nvCxnSpPr>
         <p:spPr>
           <a:xfrm>
-            <a:off x="3219744" y="5638800"/>
-            <a:ext cx="963700" cy="0"/>
+            <a:off x="2895600" y="5638800"/>
+            <a:ext cx="1600200" cy="0"/>
           </a:xfrm>
           <a:prstGeom prst="line">
             <a:avLst/>
@@ -5519,8 +5519,8 @@
         </p:nvCxnSpPr>
         <p:spPr>
           <a:xfrm>
-            <a:off x="3236677" y="6248400"/>
-            <a:ext cx="963700" cy="0"/>
+            <a:off x="2895600" y="6248400"/>
+            <a:ext cx="1600200" cy="0"/>
           </a:xfrm>
           <a:prstGeom prst="line">
             <a:avLst/>
@@ -5562,7 +5562,7 @@
         </p:nvCxnSpPr>
         <p:spPr>
           <a:xfrm>
-            <a:off x="4173477" y="5638800"/>
+            <a:off x="4495800" y="5638800"/>
             <a:ext cx="0" cy="609600"/>
           </a:xfrm>
           <a:prstGeom prst="line">
@@ -5605,7 +5605,7 @@
         </p:nvCxnSpPr>
         <p:spPr>
           <a:xfrm>
-            <a:off x="3236677" y="5638800"/>
+            <a:off x="2895600" y="5638800"/>
             <a:ext cx="0" cy="609600"/>
           </a:xfrm>
           <a:prstGeom prst="line">
@@ -5890,7 +5890,7 @@
           <a:noFill/>
         </p:spPr>
         <p:txBody>
-          <a:bodyPr wrap="none" rtlCol="0">
+          <a:bodyPr wrap="square" rtlCol="0">
             <a:spAutoFit/>
           </a:bodyPr>
           <a:lstStyle/>
@@ -5924,7 +5924,7 @@
         </p:nvCxnSpPr>
         <p:spPr>
           <a:xfrm>
-            <a:off x="3696262" y="3981811"/>
+            <a:off x="4630568" y="3981811"/>
             <a:ext cx="0" cy="1656989"/>
           </a:xfrm>
           <a:prstGeom prst="line">
@@ -5969,7 +5969,7 @@
         </p:nvSpPr>
         <p:spPr>
           <a:xfrm>
-            <a:off x="3723094" y="4665666"/>
+            <a:off x="4630568" y="4672104"/>
             <a:ext cx="920701" cy="276999"/>
           </a:xfrm>
           <a:prstGeom prst="rect">
@@ -6981,6 +6981,119 @@
             </p:txBody>
           </p:sp>
         </p:grpSp>
+      </p:grpSp>
+      <p:grpSp>
+        <p:nvGrpSpPr>
+          <p:cNvPr id="10" name="Group 9">
+            <a:extLst>
+              <a:ext uri="{FF2B5EF4-FFF2-40B4-BE49-F238E27FC236}">
+                <a16:creationId xmlns:a16="http://schemas.microsoft.com/office/drawing/2014/main" id="{CC35D125-4F63-131D-569D-12EB27D37068}"/>
+              </a:ext>
+            </a:extLst>
+          </p:cNvPr>
+          <p:cNvGrpSpPr/>
+          <p:nvPr/>
+        </p:nvGrpSpPr>
+        <p:grpSpPr>
+          <a:xfrm>
+            <a:off x="3524133" y="3130995"/>
+            <a:ext cx="329764" cy="1280588"/>
+            <a:chOff x="3224405" y="197325"/>
+            <a:chExt cx="329764" cy="1280588"/>
+          </a:xfrm>
+        </p:grpSpPr>
+        <p:sp>
+          <p:nvSpPr>
+            <p:cNvPr id="12" name="AutoShape 713">
+              <a:extLst>
+                <a:ext uri="{FF2B5EF4-FFF2-40B4-BE49-F238E27FC236}">
+                  <a16:creationId xmlns:a16="http://schemas.microsoft.com/office/drawing/2014/main" id="{A9B88BCE-3910-9A3C-3656-B35F91B57EC7}"/>
+                </a:ext>
+              </a:extLst>
+            </p:cNvPr>
+            <p:cNvSpPr>
+              <a:spLocks noChangeArrowheads="1"/>
+            </p:cNvSpPr>
+            <p:nvPr/>
+          </p:nvSpPr>
+          <p:spPr bwMode="auto">
+            <a:xfrm>
+              <a:off x="3224405" y="759833"/>
+              <a:ext cx="328613" cy="718080"/>
+            </a:xfrm>
+            <a:prstGeom prst="can">
+              <a:avLst>
+                <a:gd name="adj" fmla="val 49879"/>
+              </a:avLst>
+            </a:prstGeom>
+            <a:solidFill>
+              <a:srgbClr val="69E2FF">
+                <a:alpha val="50195"/>
+              </a:srgbClr>
+            </a:solidFill>
+            <a:ln w="9525">
+              <a:solidFill>
+                <a:schemeClr val="tx1"/>
+              </a:solidFill>
+              <a:round/>
+              <a:headEnd/>
+              <a:tailEnd/>
+            </a:ln>
+          </p:spPr>
+          <p:txBody>
+            <a:bodyPr wrap="none" anchor="ctr"/>
+            <a:lstStyle/>
+            <a:p>
+              <a:endParaRPr lang="en-US"/>
+            </a:p>
+          </p:txBody>
+        </p:sp>
+        <p:sp>
+          <p:nvSpPr>
+            <p:cNvPr id="13" name="AutoShape 713">
+              <a:extLst>
+                <a:ext uri="{FF2B5EF4-FFF2-40B4-BE49-F238E27FC236}">
+                  <a16:creationId xmlns:a16="http://schemas.microsoft.com/office/drawing/2014/main" id="{6222A33C-6240-CA89-1185-D4F047B29216}"/>
+                </a:ext>
+              </a:extLst>
+            </p:cNvPr>
+            <p:cNvSpPr>
+              <a:spLocks noChangeArrowheads="1"/>
+            </p:cNvSpPr>
+            <p:nvPr/>
+          </p:nvSpPr>
+          <p:spPr bwMode="auto">
+            <a:xfrm>
+              <a:off x="3225556" y="197325"/>
+              <a:ext cx="328613" cy="718080"/>
+            </a:xfrm>
+            <a:prstGeom prst="can">
+              <a:avLst>
+                <a:gd name="adj" fmla="val 49879"/>
+              </a:avLst>
+            </a:prstGeom>
+            <a:solidFill>
+              <a:srgbClr val="69E2FF">
+                <a:alpha val="50195"/>
+              </a:srgbClr>
+            </a:solidFill>
+            <a:ln w="9525">
+              <a:solidFill>
+                <a:schemeClr val="tx1"/>
+              </a:solidFill>
+              <a:round/>
+              <a:headEnd/>
+              <a:tailEnd/>
+            </a:ln>
+          </p:spPr>
+          <p:txBody>
+            <a:bodyPr wrap="none" anchor="ctr"/>
+            <a:lstStyle/>
+            <a:p>
+              <a:endParaRPr lang="en-US"/>
+            </a:p>
+          </p:txBody>
+        </p:sp>
       </p:grpSp>
     </p:spTree>
     <p:extLst>
